--- a/Materiale/Presentazioni/PPOINT/Presentazione3.pptx
+++ b/Materiale/Presentazioni/PPOINT/Presentazione3.pptx
@@ -356,7 +356,7 @@
           <a:p>
             <a:fld id="{ED291B17-9318-49DB-B28B-6E5994AE9581}" type="datetime1">
               <a:rPr lang="en-US" smtClean="0"/>
-              <a:t>5/29/2021</a:t>
+              <a:t>6/3/2021</a:t>
             </a:fld>
             <a:endParaRPr lang="en-US" dirty="0"/>
           </a:p>
@@ -559,7 +559,7 @@
           <a:p>
             <a:fld id="{2CED4963-E985-44C4-B8C4-FDD613B7C2F8}" type="datetime1">
               <a:rPr lang="en-US" smtClean="0"/>
-              <a:t>5/29/2021</a:t>
+              <a:t>6/3/2021</a:t>
             </a:fld>
             <a:endParaRPr lang="en-US" dirty="0"/>
           </a:p>
@@ -921,7 +921,7 @@
           <a:p>
             <a:fld id="{ED291B17-9318-49DB-B28B-6E5994AE9581}" type="datetime1">
               <a:rPr lang="en-US" smtClean="0"/>
-              <a:t>5/29/2021</a:t>
+              <a:t>6/3/2021</a:t>
             </a:fld>
             <a:endParaRPr lang="en-US" dirty="0"/>
           </a:p>
@@ -1119,7 +1119,7 @@
           <a:p>
             <a:fld id="{78DD82B9-B8EE-4375-B6FF-88FA6ABB15D9}" type="datetime1">
               <a:rPr lang="en-US" smtClean="0"/>
-              <a:t>5/29/2021</a:t>
+              <a:t>6/3/2021</a:t>
             </a:fld>
             <a:endParaRPr lang="en-US" dirty="0"/>
           </a:p>
@@ -1431,7 +1431,7 @@
           <a:p>
             <a:fld id="{B2497495-0637-405E-AE64-5CC7506D51F5}" type="datetime1">
               <a:rPr lang="en-US" smtClean="0"/>
-              <a:t>5/29/2021</a:t>
+              <a:t>6/3/2021</a:t>
             </a:fld>
             <a:endParaRPr lang="en-US" dirty="0"/>
           </a:p>
@@ -1684,7 +1684,7 @@
           <a:p>
             <a:fld id="{7BFFD690-9426-415D-8B65-26881E07B2D4}" type="datetime1">
               <a:rPr lang="en-US" smtClean="0"/>
-              <a:t>5/29/2021</a:t>
+              <a:t>6/3/2021</a:t>
             </a:fld>
             <a:endParaRPr lang="en-US" dirty="0"/>
           </a:p>
@@ -2106,7 +2106,7 @@
           <a:p>
             <a:fld id="{04C4989A-474C-40DE-95B9-011C28B71673}" type="datetime1">
               <a:rPr lang="en-US" smtClean="0"/>
-              <a:t>5/29/2021</a:t>
+              <a:t>6/3/2021</a:t>
             </a:fld>
             <a:endParaRPr lang="en-US" dirty="0"/>
           </a:p>
@@ -2229,7 +2229,7 @@
           <a:p>
             <a:fld id="{5DB4ED54-5B5E-4A04-93D3-5772E3CE3818}" type="datetime1">
               <a:rPr lang="en-US" smtClean="0"/>
-              <a:t>5/29/2021</a:t>
+              <a:t>6/3/2021</a:t>
             </a:fld>
             <a:endParaRPr lang="en-US" dirty="0"/>
           </a:p>
@@ -2324,7 +2324,7 @@
           <a:p>
             <a:fld id="{4EDE50D6-574B-40AF-946F-D52A04ADE379}" type="datetime1">
               <a:rPr lang="en-US" smtClean="0"/>
-              <a:t>5/29/2021</a:t>
+              <a:t>6/3/2021</a:t>
             </a:fld>
             <a:endParaRPr lang="en-US" dirty="0"/>
           </a:p>
@@ -2701,7 +2701,7 @@
           <a:p>
             <a:fld id="{D82884F1-FFEA-405F-9602-3DCA865EDA4E}" type="datetime1">
               <a:rPr lang="en-US" smtClean="0"/>
-              <a:t>5/29/2021</a:t>
+              <a:t>6/3/2021</a:t>
             </a:fld>
             <a:endParaRPr lang="en-US" dirty="0"/>
           </a:p>
@@ -2994,7 +2994,7 @@
           <a:p>
             <a:fld id="{7E18DB4A-8810-4A10-AD5C-D5E2C667F5B3}" type="datetime1">
               <a:rPr lang="en-US" smtClean="0"/>
-              <a:t>5/29/2021</a:t>
+              <a:t>6/3/2021</a:t>
             </a:fld>
             <a:endParaRPr lang="en-US" dirty="0"/>
           </a:p>
@@ -3209,7 +3209,7 @@
           <a:p>
             <a:fld id="{ED291B17-9318-49DB-B28B-6E5994AE9581}" type="datetime1">
               <a:rPr lang="en-US" smtClean="0"/>
-              <a:t>5/29/2021</a:t>
+              <a:t>6/3/2021</a:t>
             </a:fld>
             <a:endParaRPr lang="en-US" dirty="0"/>
           </a:p>
@@ -4326,7 +4326,15 @@
           <a:p>
             <a:r>
               <a:rPr lang="it-IT" dirty="0"/>
-              <a:t>La risposta di questa chiamata è l’oggetto che contiene le informazioni di tutti i video successivi a quello dato come parametro</a:t>
+              <a:t>La risposta di questa chiamata è l’oggetto che contiene le informazioni di tutti i </a:t>
+            </a:r>
+            <a:r>
+              <a:rPr lang="it-IT"/>
+              <a:t>video correlati </a:t>
+            </a:r>
+            <a:r>
+              <a:rPr lang="it-IT" dirty="0"/>
+              <a:t>a quello dato come parametro</a:t>
             </a:r>
           </a:p>
           <a:p>

--- a/Materiale/Presentazioni/PPOINT/Presentazione3.pptx
+++ b/Materiale/Presentazioni/PPOINT/Presentazione3.pptx
@@ -11,7 +11,7 @@
     <p:sldId id="265" r:id="rId5"/>
     <p:sldId id="263" r:id="rId6"/>
     <p:sldId id="264" r:id="rId7"/>
-    <p:sldId id="261" r:id="rId8"/>
+    <p:sldId id="267" r:id="rId8"/>
   </p:sldIdLst>
   <p:sldSz cx="12192000" cy="6858000"/>
   <p:notesSz cx="6858000" cy="9144000"/>
@@ -356,7 +356,7 @@
           <a:p>
             <a:fld id="{ED291B17-9318-49DB-B28B-6E5994AE9581}" type="datetime1">
               <a:rPr lang="en-US" smtClean="0"/>
-              <a:t>6/3/2021</a:t>
+              <a:t>6/5/2021</a:t>
             </a:fld>
             <a:endParaRPr lang="en-US" dirty="0"/>
           </a:p>
@@ -559,7 +559,7 @@
           <a:p>
             <a:fld id="{2CED4963-E985-44C4-B8C4-FDD613B7C2F8}" type="datetime1">
               <a:rPr lang="en-US" smtClean="0"/>
-              <a:t>6/3/2021</a:t>
+              <a:t>6/5/2021</a:t>
             </a:fld>
             <a:endParaRPr lang="en-US" dirty="0"/>
           </a:p>
@@ -921,7 +921,7 @@
           <a:p>
             <a:fld id="{ED291B17-9318-49DB-B28B-6E5994AE9581}" type="datetime1">
               <a:rPr lang="en-US" smtClean="0"/>
-              <a:t>6/3/2021</a:t>
+              <a:t>6/5/2021</a:t>
             </a:fld>
             <a:endParaRPr lang="en-US" dirty="0"/>
           </a:p>
@@ -1119,7 +1119,7 @@
           <a:p>
             <a:fld id="{78DD82B9-B8EE-4375-B6FF-88FA6ABB15D9}" type="datetime1">
               <a:rPr lang="en-US" smtClean="0"/>
-              <a:t>6/3/2021</a:t>
+              <a:t>6/5/2021</a:t>
             </a:fld>
             <a:endParaRPr lang="en-US" dirty="0"/>
           </a:p>
@@ -1431,7 +1431,7 @@
           <a:p>
             <a:fld id="{B2497495-0637-405E-AE64-5CC7506D51F5}" type="datetime1">
               <a:rPr lang="en-US" smtClean="0"/>
-              <a:t>6/3/2021</a:t>
+              <a:t>6/5/2021</a:t>
             </a:fld>
             <a:endParaRPr lang="en-US" dirty="0"/>
           </a:p>
@@ -1684,7 +1684,7 @@
           <a:p>
             <a:fld id="{7BFFD690-9426-415D-8B65-26881E07B2D4}" type="datetime1">
               <a:rPr lang="en-US" smtClean="0"/>
-              <a:t>6/3/2021</a:t>
+              <a:t>6/5/2021</a:t>
             </a:fld>
             <a:endParaRPr lang="en-US" dirty="0"/>
           </a:p>
@@ -2106,7 +2106,7 @@
           <a:p>
             <a:fld id="{04C4989A-474C-40DE-95B9-011C28B71673}" type="datetime1">
               <a:rPr lang="en-US" smtClean="0"/>
-              <a:t>6/3/2021</a:t>
+              <a:t>6/5/2021</a:t>
             </a:fld>
             <a:endParaRPr lang="en-US" dirty="0"/>
           </a:p>
@@ -2229,7 +2229,7 @@
           <a:p>
             <a:fld id="{5DB4ED54-5B5E-4A04-93D3-5772E3CE3818}" type="datetime1">
               <a:rPr lang="en-US" smtClean="0"/>
-              <a:t>6/3/2021</a:t>
+              <a:t>6/5/2021</a:t>
             </a:fld>
             <a:endParaRPr lang="en-US" dirty="0"/>
           </a:p>
@@ -2324,7 +2324,7 @@
           <a:p>
             <a:fld id="{4EDE50D6-574B-40AF-946F-D52A04ADE379}" type="datetime1">
               <a:rPr lang="en-US" smtClean="0"/>
-              <a:t>6/3/2021</a:t>
+              <a:t>6/5/2021</a:t>
             </a:fld>
             <a:endParaRPr lang="en-US" dirty="0"/>
           </a:p>
@@ -2701,7 +2701,7 @@
           <a:p>
             <a:fld id="{D82884F1-FFEA-405F-9602-3DCA865EDA4E}" type="datetime1">
               <a:rPr lang="en-US" smtClean="0"/>
-              <a:t>6/3/2021</a:t>
+              <a:t>6/5/2021</a:t>
             </a:fld>
             <a:endParaRPr lang="en-US" dirty="0"/>
           </a:p>
@@ -2994,7 +2994,7 @@
           <a:p>
             <a:fld id="{7E18DB4A-8810-4A10-AD5C-D5E2C667F5B3}" type="datetime1">
               <a:rPr lang="en-US" smtClean="0"/>
-              <a:t>6/3/2021</a:t>
+              <a:t>6/5/2021</a:t>
             </a:fld>
             <a:endParaRPr lang="en-US" dirty="0"/>
           </a:p>
@@ -3209,7 +3209,7 @@
           <a:p>
             <a:fld id="{ED291B17-9318-49DB-B28B-6E5994AE9581}" type="datetime1">
               <a:rPr lang="en-US" smtClean="0"/>
-              <a:t>6/3/2021</a:t>
+              <a:t>6/5/2021</a:t>
             </a:fld>
             <a:endParaRPr lang="en-US" dirty="0"/>
           </a:p>
@@ -4724,7 +4724,15 @@
             <a:pPr lvl="1" algn="just"/>
             <a:r>
               <a:rPr lang="it-IT" sz="1800" dirty="0"/>
-              <a:t>Restituisco i task con durata compresa tra «</a:t>
+              <a:t>Restituisco </a:t>
+            </a:r>
+            <a:r>
+              <a:rPr lang="it-IT" sz="1800"/>
+              <a:t>i talk </a:t>
+            </a:r>
+            <a:r>
+              <a:rPr lang="it-IT" sz="1800" dirty="0"/>
+              <a:t>con durata compresa tra «</a:t>
             </a:r>
             <a:r>
               <a:rPr lang="it-IT" sz="1800" dirty="0" err="1"/>
@@ -5351,10 +5359,104 @@
           </a:p>
         </p:txBody>
       </p:sp>
+      <p:pic>
+        <p:nvPicPr>
+          <p:cNvPr id="2054" name="Picture 6" descr="GitHub - Informatica e telecomunicazioni IISS Fermi Aragona">
+            <a:extLst>
+              <a:ext uri="{FF2B5EF4-FFF2-40B4-BE49-F238E27FC236}">
+                <a16:creationId xmlns:a16="http://schemas.microsoft.com/office/drawing/2014/main" id="{81C16E0E-2757-4505-B1EA-9E6558525362}"/>
+              </a:ext>
+            </a:extLst>
+          </p:cNvPr>
+          <p:cNvPicPr>
+            <a:picLocks noChangeAspect="1" noChangeArrowheads="1"/>
+          </p:cNvPicPr>
+          <p:nvPr/>
+        </p:nvPicPr>
+        <p:blipFill>
+          <a:blip r:embed="rId4">
+            <a:extLst>
+              <a:ext uri="{28A0092B-C50C-407E-A947-70E740481C1C}">
+                <a14:useLocalDpi xmlns:a14="http://schemas.microsoft.com/office/drawing/2010/main" val="0"/>
+              </a:ext>
+            </a:extLst>
+          </a:blip>
+          <a:srcRect/>
+          <a:stretch>
+            <a:fillRect/>
+          </a:stretch>
+        </p:blipFill>
+        <p:spPr bwMode="auto">
+          <a:xfrm>
+            <a:off x="10111194" y="5019289"/>
+            <a:ext cx="2080806" cy="1148929"/>
+          </a:xfrm>
+          <a:prstGeom prst="rect">
+            <a:avLst/>
+          </a:prstGeom>
+          <a:noFill/>
+          <a:extLst>
+            <a:ext uri="{909E8E84-426E-40DD-AFC4-6F175D3DCCD1}">
+              <a14:hiddenFill xmlns:a14="http://schemas.microsoft.com/office/drawing/2010/main">
+                <a:solidFill>
+                  <a:srgbClr val="FFFFFF"/>
+                </a:solidFill>
+              </a14:hiddenFill>
+            </a:ext>
+          </a:extLst>
+        </p:spPr>
+      </p:pic>
+      <p:pic>
+        <p:nvPicPr>
+          <p:cNvPr id="2056" name="Picture 8">
+            <a:extLst>
+              <a:ext uri="{FF2B5EF4-FFF2-40B4-BE49-F238E27FC236}">
+                <a16:creationId xmlns:a16="http://schemas.microsoft.com/office/drawing/2014/main" id="{F572718D-5044-4073-AA22-F1B90CA8157B}"/>
+              </a:ext>
+            </a:extLst>
+          </p:cNvPr>
+          <p:cNvPicPr>
+            <a:picLocks noChangeAspect="1" noChangeArrowheads="1"/>
+          </p:cNvPicPr>
+          <p:nvPr/>
+        </p:nvPicPr>
+        <p:blipFill>
+          <a:blip r:embed="rId5">
+            <a:extLst>
+              <a:ext uri="{28A0092B-C50C-407E-A947-70E740481C1C}">
+                <a14:useLocalDpi xmlns:a14="http://schemas.microsoft.com/office/drawing/2010/main" val="0"/>
+              </a:ext>
+            </a:extLst>
+          </a:blip>
+          <a:srcRect/>
+          <a:stretch>
+            <a:fillRect/>
+          </a:stretch>
+        </p:blipFill>
+        <p:spPr bwMode="auto">
+          <a:xfrm>
+            <a:off x="7815766" y="5357934"/>
+            <a:ext cx="2295428" cy="471638"/>
+          </a:xfrm>
+          <a:prstGeom prst="rect">
+            <a:avLst/>
+          </a:prstGeom>
+          <a:noFill/>
+          <a:extLst>
+            <a:ext uri="{909E8E84-426E-40DD-AFC4-6F175D3DCCD1}">
+              <a14:hiddenFill xmlns:a14="http://schemas.microsoft.com/office/drawing/2010/main">
+                <a:solidFill>
+                  <a:srgbClr val="FFFFFF"/>
+                </a:solidFill>
+              </a14:hiddenFill>
+            </a:ext>
+          </a:extLst>
+        </p:spPr>
+      </p:pic>
     </p:spTree>
     <p:extLst>
       <p:ext uri="{BB962C8B-B14F-4D97-AF65-F5344CB8AC3E}">
-        <p14:creationId xmlns:p14="http://schemas.microsoft.com/office/powerpoint/2010/main" val="2679315720"/>
+        <p14:creationId xmlns:p14="http://schemas.microsoft.com/office/powerpoint/2010/main" val="1652986410"/>
       </p:ext>
     </p:extLst>
   </p:cSld>
